--- a/CSS Colors and Accessibility/CSS Colors and Accessibility.pptx
+++ b/CSS Colors and Accessibility/CSS Colors and Accessibility.pptx
@@ -135,7 +135,7 @@
   <pc:docChgLst>
     <pc:chgData name="Gutierrez Adame, Peter" userId="5d9394be-4955-4be1-90bd-e7edf60396d6" providerId="ADAL" clId="{B0913A1A-0A75-47B6-983D-A66DD1DB152D}"/>
     <pc:docChg chg="undo custSel addSld delSld modSld sldOrd">
-      <pc:chgData name="Gutierrez Adame, Peter" userId="5d9394be-4955-4be1-90bd-e7edf60396d6" providerId="ADAL" clId="{B0913A1A-0A75-47B6-983D-A66DD1DB152D}" dt="2025-11-07T13:39:16.462" v="283" actId="478"/>
+      <pc:chgData name="Gutierrez Adame, Peter" userId="5d9394be-4955-4be1-90bd-e7edf60396d6" providerId="ADAL" clId="{B0913A1A-0A75-47B6-983D-A66DD1DB152D}" dt="2025-11-12T13:47:02.660" v="293" actId="1076"/>
       <pc:docMkLst>
         <pc:docMk/>
       </pc:docMkLst>
@@ -193,12 +193,20 @@
           <pc:sldMk cId="1887241605" sldId="264"/>
         </pc:sldMkLst>
       </pc:sldChg>
-      <pc:sldChg chg="modTransition">
-        <pc:chgData name="Gutierrez Adame, Peter" userId="5d9394be-4955-4be1-90bd-e7edf60396d6" providerId="ADAL" clId="{B0913A1A-0A75-47B6-983D-A66DD1DB152D}" dt="2025-11-07T13:08:06.691" v="12"/>
+      <pc:sldChg chg="modSp mod modTransition">
+        <pc:chgData name="Gutierrez Adame, Peter" userId="5d9394be-4955-4be1-90bd-e7edf60396d6" providerId="ADAL" clId="{B0913A1A-0A75-47B6-983D-A66DD1DB152D}" dt="2025-11-12T13:47:02.660" v="293" actId="1076"/>
         <pc:sldMkLst>
           <pc:docMk/>
           <pc:sldMk cId="2741068858" sldId="267"/>
         </pc:sldMkLst>
+        <pc:picChg chg="mod">
+          <ac:chgData name="Gutierrez Adame, Peter" userId="5d9394be-4955-4be1-90bd-e7edf60396d6" providerId="ADAL" clId="{B0913A1A-0A75-47B6-983D-A66DD1DB152D}" dt="2025-11-12T13:47:02.660" v="293" actId="1076"/>
+          <ac:picMkLst>
+            <pc:docMk/>
+            <pc:sldMk cId="2741068858" sldId="267"/>
+            <ac:picMk id="8" creationId="{E6C5E833-A474-44EC-83F2-4428DE307082}"/>
+          </ac:picMkLst>
+        </pc:picChg>
       </pc:sldChg>
       <pc:sldChg chg="modTransition">
         <pc:chgData name="Gutierrez Adame, Peter" userId="5d9394be-4955-4be1-90bd-e7edf60396d6" providerId="ADAL" clId="{B0913A1A-0A75-47B6-983D-A66DD1DB152D}" dt="2025-11-07T13:06:41.548" v="1"/>
@@ -214,12 +222,20 @@
           <pc:sldMk cId="555259454" sldId="271"/>
         </pc:sldMkLst>
       </pc:sldChg>
-      <pc:sldChg chg="modTransition">
-        <pc:chgData name="Gutierrez Adame, Peter" userId="5d9394be-4955-4be1-90bd-e7edf60396d6" providerId="ADAL" clId="{B0913A1A-0A75-47B6-983D-A66DD1DB152D}" dt="2025-11-07T13:08:09.677" v="13"/>
+      <pc:sldChg chg="modSp mod modTransition">
+        <pc:chgData name="Gutierrez Adame, Peter" userId="5d9394be-4955-4be1-90bd-e7edf60396d6" providerId="ADAL" clId="{B0913A1A-0A75-47B6-983D-A66DD1DB152D}" dt="2025-11-12T13:46:55.073" v="291" actId="1076"/>
         <pc:sldMkLst>
           <pc:docMk/>
           <pc:sldMk cId="3458600914" sldId="272"/>
         </pc:sldMkLst>
+        <pc:picChg chg="mod">
+          <ac:chgData name="Gutierrez Adame, Peter" userId="5d9394be-4955-4be1-90bd-e7edf60396d6" providerId="ADAL" clId="{B0913A1A-0A75-47B6-983D-A66DD1DB152D}" dt="2025-11-12T13:46:55.073" v="291" actId="1076"/>
+          <ac:picMkLst>
+            <pc:docMk/>
+            <pc:sldMk cId="3458600914" sldId="272"/>
+            <ac:picMk id="6" creationId="{5352A4B3-FECA-4232-8736-5036272A747C}"/>
+          </ac:picMkLst>
+        </pc:picChg>
       </pc:sldChg>
       <pc:sldChg chg="modTransition">
         <pc:chgData name="Gutierrez Adame, Peter" userId="5d9394be-4955-4be1-90bd-e7edf60396d6" providerId="ADAL" clId="{B0913A1A-0A75-47B6-983D-A66DD1DB152D}" dt="2025-11-07T13:07:59.774" v="11"/>
@@ -228,12 +244,20 @@
           <pc:sldMk cId="784165360" sldId="275"/>
         </pc:sldMkLst>
       </pc:sldChg>
-      <pc:sldChg chg="modTransition">
-        <pc:chgData name="Gutierrez Adame, Peter" userId="5d9394be-4955-4be1-90bd-e7edf60396d6" providerId="ADAL" clId="{B0913A1A-0A75-47B6-983D-A66DD1DB152D}" dt="2025-11-07T13:08:20.980" v="15"/>
+      <pc:sldChg chg="modSp mod modTransition">
+        <pc:chgData name="Gutierrez Adame, Peter" userId="5d9394be-4955-4be1-90bd-e7edf60396d6" providerId="ADAL" clId="{B0913A1A-0A75-47B6-983D-A66DD1DB152D}" dt="2025-11-12T13:46:31.685" v="288" actId="1076"/>
         <pc:sldMkLst>
           <pc:docMk/>
           <pc:sldMk cId="543898516" sldId="276"/>
         </pc:sldMkLst>
+        <pc:spChg chg="mod">
+          <ac:chgData name="Gutierrez Adame, Peter" userId="5d9394be-4955-4be1-90bd-e7edf60396d6" providerId="ADAL" clId="{B0913A1A-0A75-47B6-983D-A66DD1DB152D}" dt="2025-11-12T13:46:31.685" v="288" actId="1076"/>
+          <ac:spMkLst>
+            <pc:docMk/>
+            <pc:sldMk cId="543898516" sldId="276"/>
+            <ac:spMk id="6" creationId="{D795A37E-9355-4691-AEEC-30089BA29B85}"/>
+          </ac:spMkLst>
+        </pc:spChg>
       </pc:sldChg>
       <pc:sldChg chg="modTransition">
         <pc:chgData name="Gutierrez Adame, Peter" userId="5d9394be-4955-4be1-90bd-e7edf60396d6" providerId="ADAL" clId="{B0913A1A-0A75-47B6-983D-A66DD1DB152D}" dt="2025-11-07T13:08:25.578" v="17"/>
@@ -629,7 +653,7 @@
           <a:p>
             <a:fld id="{BE397073-B360-49D0-A89C-70F3CA5B2972}" type="datetimeFigureOut">
               <a:rPr lang="en-US" smtClean="0"/>
-              <a:t>11/7/2025</a:t>
+              <a:t>11/12/2025</a:t>
             </a:fld>
             <a:endParaRPr lang="en-US"/>
           </a:p>
@@ -963,7 +987,7 @@
           <a:p>
             <a:fld id="{BE397073-B360-49D0-A89C-70F3CA5B2972}" type="datetimeFigureOut">
               <a:rPr lang="en-US" smtClean="0"/>
-              <a:t>11/7/2025</a:t>
+              <a:t>11/12/2025</a:t>
             </a:fld>
             <a:endParaRPr lang="en-US"/>
           </a:p>
@@ -1241,7 +1265,7 @@
           <a:p>
             <a:fld id="{BE397073-B360-49D0-A89C-70F3CA5B2972}" type="datetimeFigureOut">
               <a:rPr lang="en-US" smtClean="0"/>
-              <a:t>11/7/2025</a:t>
+              <a:t>11/12/2025</a:t>
             </a:fld>
             <a:endParaRPr lang="en-US"/>
           </a:p>
@@ -1809,7 +1833,7 @@
           <a:p>
             <a:fld id="{BE397073-B360-49D0-A89C-70F3CA5B2972}" type="datetimeFigureOut">
               <a:rPr lang="en-US" smtClean="0"/>
-              <a:t>11/7/2025</a:t>
+              <a:t>11/12/2025</a:t>
             </a:fld>
             <a:endParaRPr lang="en-US"/>
           </a:p>
@@ -2087,7 +2111,7 @@
           <a:p>
             <a:fld id="{BE397073-B360-49D0-A89C-70F3CA5B2972}" type="datetimeFigureOut">
               <a:rPr lang="en-US" smtClean="0"/>
-              <a:t>11/7/2025</a:t>
+              <a:t>11/12/2025</a:t>
             </a:fld>
             <a:endParaRPr lang="en-US"/>
           </a:p>
@@ -2649,7 +2673,7 @@
           <a:p>
             <a:fld id="{BE397073-B360-49D0-A89C-70F3CA5B2972}" type="datetimeFigureOut">
               <a:rPr lang="en-US" smtClean="0"/>
-              <a:t>11/7/2025</a:t>
+              <a:t>11/12/2025</a:t>
             </a:fld>
             <a:endParaRPr lang="en-US"/>
           </a:p>
@@ -2976,7 +3000,7 @@
           <a:p>
             <a:fld id="{BE397073-B360-49D0-A89C-70F3CA5B2972}" type="datetimeFigureOut">
               <a:rPr lang="en-US" smtClean="0"/>
-              <a:t>11/7/2025</a:t>
+              <a:t>11/12/2025</a:t>
             </a:fld>
             <a:endParaRPr lang="en-US"/>
           </a:p>
@@ -3153,7 +3177,7 @@
           <a:p>
             <a:fld id="{BE397073-B360-49D0-A89C-70F3CA5B2972}" type="datetimeFigureOut">
               <a:rPr lang="en-US" smtClean="0"/>
-              <a:t>11/7/2025</a:t>
+              <a:t>11/12/2025</a:t>
             </a:fld>
             <a:endParaRPr lang="en-US"/>
           </a:p>
@@ -3391,7 +3415,7 @@
           <a:p>
             <a:fld id="{BE397073-B360-49D0-A89C-70F3CA5B2972}" type="datetimeFigureOut">
               <a:rPr lang="en-US" smtClean="0"/>
-              <a:t>11/7/2025</a:t>
+              <a:t>11/12/2025</a:t>
             </a:fld>
             <a:endParaRPr lang="en-US"/>
           </a:p>
@@ -3591,7 +3615,7 @@
           <a:p>
             <a:fld id="{BE397073-B360-49D0-A89C-70F3CA5B2972}" type="datetimeFigureOut">
               <a:rPr lang="en-US" smtClean="0"/>
-              <a:t>11/7/2025</a:t>
+              <a:t>11/12/2025</a:t>
             </a:fld>
             <a:endParaRPr lang="en-US"/>
           </a:p>
@@ -3867,7 +3891,7 @@
           <a:p>
             <a:fld id="{BE397073-B360-49D0-A89C-70F3CA5B2972}" type="datetimeFigureOut">
               <a:rPr lang="en-US" smtClean="0"/>
-              <a:t>11/7/2025</a:t>
+              <a:t>11/12/2025</a:t>
             </a:fld>
             <a:endParaRPr lang="en-US"/>
           </a:p>
@@ -4133,7 +4157,7 @@
           <a:p>
             <a:fld id="{BE397073-B360-49D0-A89C-70F3CA5B2972}" type="datetimeFigureOut">
               <a:rPr lang="en-US" smtClean="0"/>
-              <a:t>11/7/2025</a:t>
+              <a:t>11/12/2025</a:t>
             </a:fld>
             <a:endParaRPr lang="en-US"/>
           </a:p>
@@ -4507,7 +4531,7 @@
           <a:p>
             <a:fld id="{BE397073-B360-49D0-A89C-70F3CA5B2972}" type="datetimeFigureOut">
               <a:rPr lang="en-US" smtClean="0"/>
-              <a:t>11/7/2025</a:t>
+              <a:t>11/12/2025</a:t>
             </a:fld>
             <a:endParaRPr lang="en-US"/>
           </a:p>
@@ -4655,7 +4679,7 @@
           <a:p>
             <a:fld id="{BE397073-B360-49D0-A89C-70F3CA5B2972}" type="datetimeFigureOut">
               <a:rPr lang="en-US" smtClean="0"/>
-              <a:t>11/7/2025</a:t>
+              <a:t>11/12/2025</a:t>
             </a:fld>
             <a:endParaRPr lang="en-US"/>
           </a:p>
@@ -4780,7 +4804,7 @@
           <a:p>
             <a:fld id="{BE397073-B360-49D0-A89C-70F3CA5B2972}" type="datetimeFigureOut">
               <a:rPr lang="en-US" smtClean="0"/>
-              <a:t>11/7/2025</a:t>
+              <a:t>11/12/2025</a:t>
             </a:fld>
             <a:endParaRPr lang="en-US"/>
           </a:p>
@@ -5065,7 +5089,7 @@
           <a:p>
             <a:fld id="{BE397073-B360-49D0-A89C-70F3CA5B2972}" type="datetimeFigureOut">
               <a:rPr lang="en-US" smtClean="0"/>
-              <a:t>11/7/2025</a:t>
+              <a:t>11/12/2025</a:t>
             </a:fld>
             <a:endParaRPr lang="en-US"/>
           </a:p>
@@ -5389,7 +5413,7 @@
           <a:p>
             <a:fld id="{BE397073-B360-49D0-A89C-70F3CA5B2972}" type="datetimeFigureOut">
               <a:rPr lang="en-US" smtClean="0"/>
-              <a:t>11/7/2025</a:t>
+              <a:t>11/12/2025</a:t>
             </a:fld>
             <a:endParaRPr lang="en-US"/>
           </a:p>
@@ -5603,7 +5627,7 @@
           <a:p>
             <a:fld id="{BE397073-B360-49D0-A89C-70F3CA5B2972}" type="datetimeFigureOut">
               <a:rPr lang="en-US" smtClean="0"/>
-              <a:t>11/7/2025</a:t>
+              <a:t>11/12/2025</a:t>
             </a:fld>
             <a:endParaRPr lang="en-US"/>
           </a:p>
@@ -6462,8 +6486,8 @@
         </p:blipFill>
         <p:spPr>
           <a:xfrm>
-            <a:off x="2263698" y="2567227"/>
-            <a:ext cx="7958529" cy="4149249"/>
+            <a:off x="2107312" y="2438021"/>
+            <a:ext cx="8416574" cy="4388055"/>
           </a:xfrm>
           <a:prstGeom prst="rect">
             <a:avLst/>
@@ -6515,13 +6539,13 @@
   <p:clrMapOvr>
     <a:masterClrMapping/>
   </p:clrMapOvr>
-  <mc:AlternateContent xmlns:mc="http://schemas.openxmlformats.org/markup-compatibility/2006">
-    <mc:Choice xmlns:p14="http://schemas.microsoft.com/office/powerpoint/2010/main" Requires="p14">
+  <mc:AlternateContent xmlns:mc="http://schemas.openxmlformats.org/markup-compatibility/2006" xmlns:p14="http://schemas.microsoft.com/office/powerpoint/2010/main">
+    <mc:Choice Requires="p14">
       <p:transition spd="slow" p14:dur="800">
         <p:circle/>
       </p:transition>
     </mc:Choice>
-    <mc:Fallback>
+    <mc:Fallback xmlns="">
       <p:transition spd="slow">
         <p:circle/>
       </p:transition>
@@ -6631,13 +6655,13 @@
   <p:clrMapOvr>
     <a:masterClrMapping/>
   </p:clrMapOvr>
-  <mc:AlternateContent xmlns:mc="http://schemas.openxmlformats.org/markup-compatibility/2006">
-    <mc:Choice xmlns:p14="http://schemas.microsoft.com/office/powerpoint/2010/main" Requires="p14">
+  <mc:AlternateContent xmlns:mc="http://schemas.openxmlformats.org/markup-compatibility/2006" xmlns:p14="http://schemas.microsoft.com/office/powerpoint/2010/main">
+    <mc:Choice Requires="p14">
       <p:transition spd="slow" p14:dur="2500">
         <p:checker/>
       </p:transition>
     </mc:Choice>
-    <mc:Fallback>
+    <mc:Fallback xmlns="">
       <p:transition spd="slow">
         <p:checker/>
       </p:transition>
@@ -6858,8 +6882,8 @@
         </p:nvSpPr>
         <p:spPr>
           <a:xfrm>
-            <a:off x="1535288" y="3034352"/>
-            <a:ext cx="9335911" cy="3046988"/>
+            <a:off x="1563568" y="3039570"/>
+            <a:ext cx="9335911" cy="3785652"/>
           </a:xfrm>
           <a:prstGeom prst="rect">
             <a:avLst/>
@@ -6926,6 +6950,9 @@
             </a:r>
           </a:p>
           <a:p>
+            <a:endParaRPr lang="en-US" sz="2400" dirty="0"/>
+          </a:p>
+          <a:p>
             <a:pPr>
               <a:buFont typeface="Arial" panose="020B0604020202020204" pitchFamily="34" charset="0"/>
               <a:buChar char="•"/>
@@ -6960,6 +6987,13 @@
               <a:rPr lang="en-US" sz="2400" dirty="0"/>
               <a:t> Using colors that are too similar, such as light grey text on a white background, making the content unreadable for users with low vision.</a:t>
             </a:r>
+          </a:p>
+          <a:p>
+            <a:pPr>
+              <a:buFont typeface="Arial" panose="020B0604020202020204" pitchFamily="34" charset="0"/>
+              <a:buChar char="•"/>
+            </a:pPr>
+            <a:endParaRPr lang="en-US" sz="2400" dirty="0"/>
           </a:p>
           <a:p>
             <a:pPr>
@@ -7175,13 +7209,13 @@
   <p:clrMapOvr>
     <a:masterClrMapping/>
   </p:clrMapOvr>
-  <mc:AlternateContent xmlns:mc="http://schemas.openxmlformats.org/markup-compatibility/2006">
-    <mc:Choice xmlns:p14="http://schemas.microsoft.com/office/powerpoint/2010/main" Requires="p14">
+  <mc:AlternateContent xmlns:mc="http://schemas.openxmlformats.org/markup-compatibility/2006" xmlns:p14="http://schemas.microsoft.com/office/powerpoint/2010/main">
+    <mc:Choice Requires="p14">
       <p:transition spd="slow" p14:dur="800">
         <p:circle/>
       </p:transition>
     </mc:Choice>
-    <mc:Fallback>
+    <mc:Fallback xmlns="">
       <p:transition spd="slow">
         <p:circle/>
       </p:transition>
@@ -7741,13 +7775,13 @@
   <p:clrMapOvr>
     <a:masterClrMapping/>
   </p:clrMapOvr>
-  <mc:AlternateContent xmlns:mc="http://schemas.openxmlformats.org/markup-compatibility/2006">
-    <mc:Choice xmlns:p14="http://schemas.microsoft.com/office/powerpoint/2010/main" Requires="p14">
+  <mc:AlternateContent xmlns:mc="http://schemas.openxmlformats.org/markup-compatibility/2006" xmlns:p14="http://schemas.microsoft.com/office/powerpoint/2010/main">
+    <mc:Choice Requires="p14">
       <p:transition spd="slow" p14:dur="800">
         <p:circle/>
       </p:transition>
     </mc:Choice>
-    <mc:Fallback>
+    <mc:Fallback xmlns="">
       <p:transition spd="slow">
         <p:circle/>
       </p:transition>
@@ -8608,13 +8642,13 @@
   <p:clrMapOvr>
     <a:masterClrMapping/>
   </p:clrMapOvr>
-  <mc:AlternateContent xmlns:mc="http://schemas.openxmlformats.org/markup-compatibility/2006">
-    <mc:Choice xmlns:p14="http://schemas.microsoft.com/office/powerpoint/2010/main" Requires="p14">
+  <mc:AlternateContent xmlns:mc="http://schemas.openxmlformats.org/markup-compatibility/2006" xmlns:p14="http://schemas.microsoft.com/office/powerpoint/2010/main">
+    <mc:Choice Requires="p14">
       <p:transition spd="slow" p14:dur="800">
         <p:circle/>
       </p:transition>
     </mc:Choice>
-    <mc:Fallback>
+    <mc:Fallback xmlns="">
       <p:transition spd="slow">
         <p:circle/>
       </p:transition>
@@ -8703,13 +8737,13 @@
   <p:clrMapOvr>
     <a:masterClrMapping/>
   </p:clrMapOvr>
-  <mc:AlternateContent xmlns:mc="http://schemas.openxmlformats.org/markup-compatibility/2006">
-    <mc:Choice xmlns:p14="http://schemas.microsoft.com/office/powerpoint/2010/main" Requires="p14">
+  <mc:AlternateContent xmlns:mc="http://schemas.openxmlformats.org/markup-compatibility/2006" xmlns:p14="http://schemas.microsoft.com/office/powerpoint/2010/main">
+    <mc:Choice Requires="p14">
       <p:transition spd="slow" p14:dur="2500">
         <p:checker/>
       </p:transition>
     </mc:Choice>
-    <mc:Fallback>
+    <mc:Fallback xmlns="">
       <p:transition spd="slow">
         <p:checker/>
       </p:transition>
@@ -9043,13 +9077,13 @@
   <p:clrMapOvr>
     <a:masterClrMapping/>
   </p:clrMapOvr>
-  <mc:AlternateContent xmlns:mc="http://schemas.openxmlformats.org/markup-compatibility/2006">
-    <mc:Choice xmlns:p14="http://schemas.microsoft.com/office/powerpoint/2010/main" Requires="p14">
+  <mc:AlternateContent xmlns:mc="http://schemas.openxmlformats.org/markup-compatibility/2006" xmlns:p14="http://schemas.microsoft.com/office/powerpoint/2010/main">
+    <mc:Choice Requires="p14">
       <p:transition spd="slow" p14:dur="800">
         <p:circle/>
       </p:transition>
     </mc:Choice>
-    <mc:Fallback>
+    <mc:Fallback xmlns="">
       <p:transition spd="slow">
         <p:circle/>
       </p:transition>
@@ -9551,13 +9585,13 @@
   <p:clrMapOvr>
     <a:masterClrMapping/>
   </p:clrMapOvr>
-  <mc:AlternateContent xmlns:mc="http://schemas.openxmlformats.org/markup-compatibility/2006">
-    <mc:Choice xmlns:p14="http://schemas.microsoft.com/office/powerpoint/2010/main" Requires="p14">
+  <mc:AlternateContent xmlns:mc="http://schemas.openxmlformats.org/markup-compatibility/2006" xmlns:p14="http://schemas.microsoft.com/office/powerpoint/2010/main">
+    <mc:Choice Requires="p14">
       <p:transition spd="slow" p14:dur="800">
         <p:circle/>
       </p:transition>
     </mc:Choice>
-    <mc:Fallback>
+    <mc:Fallback xmlns="">
       <p:transition spd="slow">
         <p:circle/>
       </p:transition>
@@ -9665,13 +9699,13 @@
   <p:clrMapOvr>
     <a:masterClrMapping/>
   </p:clrMapOvr>
-  <mc:AlternateContent xmlns:mc="http://schemas.openxmlformats.org/markup-compatibility/2006">
-    <mc:Choice xmlns:p14="http://schemas.microsoft.com/office/powerpoint/2010/main" Requires="p14">
+  <mc:AlternateContent xmlns:mc="http://schemas.openxmlformats.org/markup-compatibility/2006" xmlns:p14="http://schemas.microsoft.com/office/powerpoint/2010/main">
+    <mc:Choice Requires="p14">
       <p:transition spd="slow" p14:dur="4000">
         <p14:vortex dir="r"/>
       </p:transition>
     </mc:Choice>
-    <mc:Fallback>
+    <mc:Fallback xmlns="">
       <p:transition spd="slow">
         <p:fade/>
       </p:transition>
@@ -9815,13 +9849,13 @@
   <p:clrMapOvr>
     <a:masterClrMapping/>
   </p:clrMapOvr>
-  <mc:AlternateContent xmlns:mc="http://schemas.openxmlformats.org/markup-compatibility/2006">
-    <mc:Choice xmlns:p14="http://schemas.microsoft.com/office/powerpoint/2010/main" Requires="p14">
+  <mc:AlternateContent xmlns:mc="http://schemas.openxmlformats.org/markup-compatibility/2006" xmlns:p14="http://schemas.microsoft.com/office/powerpoint/2010/main">
+    <mc:Choice Requires="p14">
       <p:transition spd="slow">
         <p14:flash/>
       </p:transition>
     </mc:Choice>
-    <mc:Fallback>
+    <mc:Fallback xmlns="">
       <p:transition spd="slow">
         <p:fade/>
       </p:transition>
@@ -11008,13 +11042,13 @@
   <p:clrMapOvr>
     <a:masterClrMapping/>
   </p:clrMapOvr>
-  <mc:AlternateContent xmlns:mc="http://schemas.openxmlformats.org/markup-compatibility/2006">
-    <mc:Choice xmlns:p14="http://schemas.microsoft.com/office/powerpoint/2010/main" Requires="p14">
+  <mc:AlternateContent xmlns:mc="http://schemas.openxmlformats.org/markup-compatibility/2006" xmlns:p14="http://schemas.microsoft.com/office/powerpoint/2010/main">
+    <mc:Choice Requires="p14">
       <p:transition spd="slow" p14:dur="800">
         <p:circle/>
       </p:transition>
     </mc:Choice>
-    <mc:Fallback>
+    <mc:Fallback xmlns="">
       <p:transition spd="slow">
         <p:circle/>
       </p:transition>
@@ -11294,13 +11328,13 @@
   <p:clrMapOvr>
     <a:masterClrMapping/>
   </p:clrMapOvr>
-  <mc:AlternateContent xmlns:mc="http://schemas.openxmlformats.org/markup-compatibility/2006">
-    <mc:Choice xmlns:p14="http://schemas.microsoft.com/office/powerpoint/2010/main" Requires="p14">
+  <mc:AlternateContent xmlns:mc="http://schemas.openxmlformats.org/markup-compatibility/2006" xmlns:p14="http://schemas.microsoft.com/office/powerpoint/2010/main">
+    <mc:Choice Requires="p14">
       <p:transition spd="slow" p14:dur="800">
         <p:circle/>
       </p:transition>
     </mc:Choice>
-    <mc:Fallback>
+    <mc:Fallback xmlns="">
       <p:transition spd="slow">
         <p:circle/>
       </p:transition>
@@ -11410,13 +11444,13 @@
   <p:clrMapOvr>
     <a:masterClrMapping/>
   </p:clrMapOvr>
-  <mc:AlternateContent xmlns:mc="http://schemas.openxmlformats.org/markup-compatibility/2006">
-    <mc:Choice xmlns:p14="http://schemas.microsoft.com/office/powerpoint/2010/main" Requires="p14">
+  <mc:AlternateContent xmlns:mc="http://schemas.openxmlformats.org/markup-compatibility/2006" xmlns:p14="http://schemas.microsoft.com/office/powerpoint/2010/main">
+    <mc:Choice Requires="p14">
       <p:transition spd="slow" p14:dur="2500">
         <p:checker/>
       </p:transition>
     </mc:Choice>
-    <mc:Fallback>
+    <mc:Fallback xmlns="">
       <p:transition spd="slow">
         <p:checker/>
       </p:transition>
@@ -11543,8 +11577,8 @@
         </p:blipFill>
         <p:spPr>
           <a:xfrm>
-            <a:off x="3313289" y="2915171"/>
-            <a:ext cx="5565422" cy="3310651"/>
+            <a:off x="2908222" y="2648932"/>
+            <a:ext cx="6187305" cy="3680585"/>
           </a:xfrm>
           <a:prstGeom prst="rect">
             <a:avLst/>
@@ -11596,13 +11630,13 @@
   <p:clrMapOvr>
     <a:masterClrMapping/>
   </p:clrMapOvr>
-  <mc:AlternateContent xmlns:mc="http://schemas.openxmlformats.org/markup-compatibility/2006">
-    <mc:Choice xmlns:p14="http://schemas.microsoft.com/office/powerpoint/2010/main" Requires="p14">
+  <mc:AlternateContent xmlns:mc="http://schemas.openxmlformats.org/markup-compatibility/2006" xmlns:p14="http://schemas.microsoft.com/office/powerpoint/2010/main">
+    <mc:Choice Requires="p14">
       <p:transition spd="slow" p14:dur="800">
         <p:circle/>
       </p:transition>
     </mc:Choice>
-    <mc:Fallback>
+    <mc:Fallback xmlns="">
       <p:transition spd="slow">
         <p:circle/>
       </p:transition>
